--- a/inner pages/assets/files_to_download/Лекция 8 Особенности информационног и прочего ПО для ИС.pptx
+++ b/inner pages/assets/files_to_download/Лекция 8 Особенности информационног и прочего ПО для ИС.pptx
@@ -229,7 +229,7 @@
           <a:p>
             <a:fld id="{88FC5876-A82F-45DC-BBE4-8EE8F2A58517}" type="datetimeFigureOut">
               <a:rPr lang="ru-RU" smtClean="0"/>
-              <a:t>12.02.2023</a:t>
+              <a:t>27.04.2023</a:t>
             </a:fld>
             <a:endParaRPr lang="ru-RU"/>
           </a:p>
@@ -1783,7 +1783,7 @@
             <a:fld id="{19787E0B-876D-4E59-AA74-E2F73338E858}" type="datetimeFigureOut">
               <a:rPr lang="ru-RU" smtClean="0"/>
               <a:pPr/>
-              <a:t>12.02.2023</a:t>
+              <a:t>27.04.2023</a:t>
             </a:fld>
             <a:endParaRPr lang="ru-RU"/>
           </a:p>
@@ -1975,7 +1975,7 @@
             <a:fld id="{19787E0B-876D-4E59-AA74-E2F73338E858}" type="datetimeFigureOut">
               <a:rPr lang="ru-RU" smtClean="0"/>
               <a:pPr/>
-              <a:t>12.02.2023</a:t>
+              <a:t>27.04.2023</a:t>
             </a:fld>
             <a:endParaRPr lang="ru-RU"/>
           </a:p>
@@ -2157,7 +2157,7 @@
             <a:fld id="{19787E0B-876D-4E59-AA74-E2F73338E858}" type="datetimeFigureOut">
               <a:rPr lang="ru-RU" smtClean="0"/>
               <a:pPr/>
-              <a:t>12.02.2023</a:t>
+              <a:t>27.04.2023</a:t>
             </a:fld>
             <a:endParaRPr lang="ru-RU"/>
           </a:p>
@@ -2329,7 +2329,7 @@
             <a:fld id="{19787E0B-876D-4E59-AA74-E2F73338E858}" type="datetimeFigureOut">
               <a:rPr lang="ru-RU" smtClean="0"/>
               <a:pPr/>
-              <a:t>12.02.2023</a:t>
+              <a:t>27.04.2023</a:t>
             </a:fld>
             <a:endParaRPr lang="ru-RU"/>
           </a:p>
@@ -2587,7 +2587,7 @@
             <a:fld id="{19787E0B-876D-4E59-AA74-E2F73338E858}" type="datetimeFigureOut">
               <a:rPr lang="ru-RU" smtClean="0"/>
               <a:pPr/>
-              <a:t>12.02.2023</a:t>
+              <a:t>27.04.2023</a:t>
             </a:fld>
             <a:endParaRPr lang="ru-RU"/>
           </a:p>
@@ -2877,7 +2877,7 @@
             <a:fld id="{19787E0B-876D-4E59-AA74-E2F73338E858}" type="datetimeFigureOut">
               <a:rPr lang="ru-RU" smtClean="0"/>
               <a:pPr/>
-              <a:t>12.02.2023</a:t>
+              <a:t>27.04.2023</a:t>
             </a:fld>
             <a:endParaRPr lang="ru-RU"/>
           </a:p>
@@ -3317,7 +3317,7 @@
             <a:fld id="{19787E0B-876D-4E59-AA74-E2F73338E858}" type="datetimeFigureOut">
               <a:rPr lang="ru-RU" smtClean="0"/>
               <a:pPr/>
-              <a:t>12.02.2023</a:t>
+              <a:t>27.04.2023</a:t>
             </a:fld>
             <a:endParaRPr lang="ru-RU"/>
           </a:p>
@@ -3437,7 +3437,7 @@
             <a:fld id="{19787E0B-876D-4E59-AA74-E2F73338E858}" type="datetimeFigureOut">
               <a:rPr lang="ru-RU" smtClean="0"/>
               <a:pPr/>
-              <a:t>12.02.2023</a:t>
+              <a:t>27.04.2023</a:t>
             </a:fld>
             <a:endParaRPr lang="ru-RU"/>
           </a:p>
@@ -3534,7 +3534,7 @@
             <a:fld id="{19787E0B-876D-4E59-AA74-E2F73338E858}" type="datetimeFigureOut">
               <a:rPr lang="ru-RU" smtClean="0"/>
               <a:pPr/>
-              <a:t>12.02.2023</a:t>
+              <a:t>27.04.2023</a:t>
             </a:fld>
             <a:endParaRPr lang="ru-RU"/>
           </a:p>
@@ -3892,7 +3892,7 @@
             <a:fld id="{19787E0B-876D-4E59-AA74-E2F73338E858}" type="datetimeFigureOut">
               <a:rPr lang="ru-RU" smtClean="0"/>
               <a:pPr/>
-              <a:t>12.02.2023</a:t>
+              <a:t>27.04.2023</a:t>
             </a:fld>
             <a:endParaRPr lang="ru-RU"/>
           </a:p>
@@ -4210,7 +4210,7 @@
             <a:fld id="{19787E0B-876D-4E59-AA74-E2F73338E858}" type="datetimeFigureOut">
               <a:rPr lang="ru-RU" smtClean="0"/>
               <a:pPr/>
-              <a:t>12.02.2023</a:t>
+              <a:t>27.04.2023</a:t>
             </a:fld>
             <a:endParaRPr lang="ru-RU"/>
           </a:p>
@@ -4445,7 +4445,7 @@
             <a:fld id="{19787E0B-876D-4E59-AA74-E2F73338E858}" type="datetimeFigureOut">
               <a:rPr lang="ru-RU" smtClean="0"/>
               <a:pPr/>
-              <a:t>12.02.2023</a:t>
+              <a:t>27.04.2023</a:t>
             </a:fld>
             <a:endParaRPr lang="ru-RU"/>
           </a:p>
@@ -6692,7 +6692,7 @@
             <p:ph idx="1"/>
             <p:extLst>
               <p:ext uri="{D42A27DB-BD31-4B8C-83A1-F6EECF244321}">
-                <p14:modId xmlns:p14="http://schemas.microsoft.com/office/powerpoint/2010/main" val="4272572960"/>
+                <p14:modId xmlns:p14="http://schemas.microsoft.com/office/powerpoint/2010/main" val="3826876390"/>
               </p:ext>
             </p:extLst>
           </p:nvPr>
@@ -7236,7 +7236,7 @@
                       </a:pPr>
                       <a:r>
                         <a:rPr kumimoji="0" lang="ru-RU" sz="1400" kern="1200" dirty="0"/>
-                        <a:t>8. экспертные системы в рекламной деятельности и PR</a:t>
+                        <a:t>8. Экспертные системы в рекламной деятельности и PR</a:t>
                       </a:r>
                     </a:p>
                   </a:txBody>
@@ -7266,7 +7266,7 @@
                       </a:pPr>
                       <a:r>
                         <a:rPr lang="ru-RU" sz="1200" dirty="0"/>
-                        <a:t>Анализирует данные клиентов для проведения более качественной таргетированной рекламы</a:t>
+                        <a:t>Анализируют данные клиентов для проведения более качественной таргетированной рекламы</a:t>
                       </a:r>
                     </a:p>
                   </a:txBody>
@@ -7303,7 +7303,15 @@
                       </a:pPr>
                       <a:r>
                         <a:rPr kumimoji="0" lang="ru-RU" sz="1400" kern="1200" dirty="0"/>
-                        <a:t>9. экспертных систем в сфере управления процессами</a:t>
+                        <a:t>9. </a:t>
+                      </a:r>
+                      <a:r>
+                        <a:rPr kumimoji="0" lang="ru-RU" sz="1400" kern="1200"/>
+                        <a:t>Экспертные системы </a:t>
+                      </a:r>
+                      <a:r>
+                        <a:rPr kumimoji="0" lang="ru-RU" sz="1400" kern="1200" dirty="0"/>
+                        <a:t>в сфере управления процессами</a:t>
                       </a:r>
                     </a:p>
                   </a:txBody>
